--- a/Slides.pptx
+++ b/Slides.pptx
@@ -7367,7 +7367,7 @@
         </p:nvSpPr>
         <p:spPr>
           <a:xfrm>
-            <a:off x="457200" y="411475"/>
+            <a:off x="559062" y="255254"/>
             <a:ext cx="8229600" cy="340200"/>
           </a:xfrm>
           <a:prstGeom prst="rect">
@@ -7391,7 +7391,7 @@
             </a:pPr>
             <a:r>
               <a:rPr lang="en" dirty="0"/>
-              <a:t>2: Building the time window algorithm</a:t>
+              <a:t>2: Building the time window algorithm to merge the laboratory measurements</a:t>
             </a:r>
             <a:endParaRPr dirty="0"/>
           </a:p>
@@ -10054,7 +10054,7 @@
             <a:pPr lvl="0"/>
             <a:r>
               <a:rPr lang="en" dirty="0"/>
-              <a:t>2: Feature Engineering: What can be inferred?</a:t>
+              <a:t>2: Feature Engineering: What information can be inferred?</a:t>
             </a:r>
             <a:endParaRPr dirty="0"/>
           </a:p>
@@ -20075,7 +20075,7 @@
             <a:pPr lvl="0"/>
             <a:r>
               <a:rPr lang="en" dirty="0"/>
-              <a:t>3: Final Pipeline employed for the modelling</a:t>
+              <a:t>3: We tested multiple algorithms and settled on the best one</a:t>
             </a:r>
             <a:endParaRPr dirty="0"/>
           </a:p>
@@ -22178,7 +22178,7 @@
             <a:pPr lvl="0"/>
             <a:r>
               <a:rPr lang="en" dirty="0"/>
-              <a:t>3: F1 Scores and CV Accuracy of both models</a:t>
+              <a:t>3: The best model could predict up to 90% of the patients that progress</a:t>
             </a:r>
             <a:endParaRPr dirty="0"/>
           </a:p>
@@ -31954,143 +31954,6 @@
           </a:p>
         </p:txBody>
       </p:sp>
-      <p:grpSp>
-        <p:nvGrpSpPr>
-          <p:cNvPr id="10" name="Grupo 9">
-            <a:extLst>
-              <a:ext uri="{FF2B5EF4-FFF2-40B4-BE49-F238E27FC236}">
-                <a16:creationId xmlns:a16="http://schemas.microsoft.com/office/drawing/2014/main" id="{42C0132F-E86C-5F42-A7B7-2C3862EEDB7F}"/>
-              </a:ext>
-            </a:extLst>
-          </p:cNvPr>
-          <p:cNvGrpSpPr/>
-          <p:nvPr/>
-        </p:nvGrpSpPr>
-        <p:grpSpPr>
-          <a:xfrm>
-            <a:off x="835000" y="1357896"/>
-            <a:ext cx="2143456" cy="460921"/>
-            <a:chOff x="908892" y="2208454"/>
-            <a:chExt cx="1697400" cy="441000"/>
-          </a:xfrm>
-        </p:grpSpPr>
-        <p:sp>
-          <p:nvSpPr>
-            <p:cNvPr id="89" name="Google Shape;2525;p32">
-              <a:extLst>
-                <a:ext uri="{FF2B5EF4-FFF2-40B4-BE49-F238E27FC236}">
-                  <a16:creationId xmlns:a16="http://schemas.microsoft.com/office/drawing/2014/main" id="{9CA60629-26B1-A042-8C2A-AEF08C926FBF}"/>
-                </a:ext>
-              </a:extLst>
-            </p:cNvPr>
-            <p:cNvSpPr/>
-            <p:nvPr/>
-          </p:nvSpPr>
-          <p:spPr>
-            <a:xfrm>
-              <a:off x="908892" y="2208454"/>
-              <a:ext cx="1697400" cy="441000"/>
-            </a:xfrm>
-            <a:prstGeom prst="round2SameRect">
-              <a:avLst>
-                <a:gd name="adj1" fmla="val 50000"/>
-                <a:gd name="adj2" fmla="val 50000"/>
-              </a:avLst>
-            </a:prstGeom>
-            <a:solidFill>
-              <a:schemeClr val="accent1"/>
-            </a:solidFill>
-            <a:ln>
-              <a:noFill/>
-            </a:ln>
-          </p:spPr>
-          <p:txBody>
-            <a:bodyPr spcFirstLastPara="1" wrap="square" lIns="91425" tIns="91425" rIns="91425" bIns="91425" anchor="ctr" anchorCtr="0">
-              <a:noAutofit/>
-            </a:bodyPr>
-            <a:lstStyle/>
-            <a:p>
-              <a:pPr marL="0" lvl="0" indent="0" algn="l" rtl="0">
-                <a:spcBef>
-                  <a:spcPts val="0"/>
-                </a:spcBef>
-                <a:spcAft>
-                  <a:spcPts val="0"/>
-                </a:spcAft>
-                <a:buNone/>
-              </a:pPr>
-              <a:endParaRPr/>
-            </a:p>
-          </p:txBody>
-        </p:sp>
-        <p:sp>
-          <p:nvSpPr>
-            <p:cNvPr id="90" name="Google Shape;2531;p32">
-              <a:extLst>
-                <a:ext uri="{FF2B5EF4-FFF2-40B4-BE49-F238E27FC236}">
-                  <a16:creationId xmlns:a16="http://schemas.microsoft.com/office/drawing/2014/main" id="{2F0F5BEC-B0C6-C642-BDF7-905D02553937}"/>
-                </a:ext>
-              </a:extLst>
-            </p:cNvPr>
-            <p:cNvSpPr txBox="1"/>
-            <p:nvPr/>
-          </p:nvSpPr>
-          <p:spPr>
-            <a:xfrm>
-              <a:off x="908892" y="2264190"/>
-              <a:ext cx="1697400" cy="330000"/>
-            </a:xfrm>
-            <a:prstGeom prst="rect">
-              <a:avLst/>
-            </a:prstGeom>
-            <a:noFill/>
-            <a:ln>
-              <a:noFill/>
-            </a:ln>
-          </p:spPr>
-          <p:txBody>
-            <a:bodyPr spcFirstLastPara="1" wrap="square" lIns="91425" tIns="91425" rIns="91425" bIns="91425" anchor="ctr" anchorCtr="0">
-              <a:noAutofit/>
-            </a:bodyPr>
-            <a:lstStyle/>
-            <a:p>
-              <a:pPr marL="0" marR="0" lvl="0" indent="0" algn="ctr" rtl="0">
-                <a:lnSpc>
-                  <a:spcPct val="100000"/>
-                </a:lnSpc>
-                <a:spcBef>
-                  <a:spcPts val="0"/>
-                </a:spcBef>
-                <a:spcAft>
-                  <a:spcPts val="0"/>
-                </a:spcAft>
-                <a:buNone/>
-              </a:pPr>
-              <a:r>
-                <a:rPr lang="en" sz="1600" b="1" dirty="0">
-                  <a:solidFill>
-                    <a:srgbClr val="FFFFFF"/>
-                  </a:solidFill>
-                  <a:latin typeface="Fira Sans"/>
-                  <a:ea typeface="Fira Sans"/>
-                  <a:cs typeface="Fira Sans"/>
-                  <a:sym typeface="Fira Sans"/>
-                </a:rPr>
-                <a:t>Recommendations</a:t>
-              </a:r>
-              <a:endParaRPr sz="1600" b="1" dirty="0">
-                <a:solidFill>
-                  <a:srgbClr val="FFFFFF"/>
-                </a:solidFill>
-                <a:latin typeface="Fira Sans"/>
-                <a:ea typeface="Fira Sans"/>
-                <a:cs typeface="Fira Sans"/>
-                <a:sym typeface="Fira Sans"/>
-              </a:endParaRPr>
-            </a:p>
-          </p:txBody>
-        </p:sp>
-      </p:grpSp>
       <p:sp>
         <p:nvSpPr>
           <p:cNvPr id="48" name="Google Shape;288;p19">
@@ -32105,7 +31968,7 @@
         </p:nvSpPr>
         <p:spPr>
           <a:xfrm>
-            <a:off x="457200" y="2156854"/>
+            <a:off x="457200" y="1893085"/>
             <a:ext cx="3160479" cy="2421481"/>
           </a:xfrm>
           <a:prstGeom prst="roundRect">
@@ -33671,6 +33534,30 @@
                 <a:sym typeface="Roboto"/>
               </a:rPr>
               <a:t> </a:t>
+            </a:r>
+            <a:r>
+              <a:rPr lang="es-ES" i="1" dirty="0" err="1">
+                <a:solidFill>
+                  <a:schemeClr val="tx1"/>
+                </a:solidFill>
+                <a:latin typeface="Roboto"/>
+                <a:ea typeface="Roboto"/>
+                <a:cs typeface="Roboto"/>
+                <a:sym typeface="Roboto"/>
+              </a:rPr>
+              <a:t>or</a:t>
+            </a:r>
+            <a:r>
+              <a:rPr lang="es-ES" i="1" dirty="0">
+                <a:solidFill>
+                  <a:schemeClr val="tx1"/>
+                </a:solidFill>
+                <a:latin typeface="Roboto"/>
+                <a:ea typeface="Roboto"/>
+                <a:cs typeface="Roboto"/>
+                <a:sym typeface="Roboto"/>
+              </a:rPr>
+              <a:t> EHR </a:t>
             </a:r>
             <a:r>
               <a:rPr lang="es-ES" i="1" dirty="0" err="1">
@@ -34466,8 +34353,8 @@
             </p:nvSpPr>
             <p:spPr>
               <a:xfrm>
-                <a:off x="4332264" y="1093106"/>
-                <a:ext cx="2410200" cy="546600"/>
+                <a:off x="4332263" y="1093106"/>
+                <a:ext cx="3690583" cy="546600"/>
               </a:xfrm>
               <a:prstGeom prst="rect">
                 <a:avLst/>
@@ -34507,7 +34394,7 @@
                     <a:cs typeface="Fira Sans"/>
                     <a:sym typeface="Fira Sans"/>
                   </a:rPr>
-                  <a:t>Modelling</a:t>
+                  <a:t>Modelling and potential of the tool </a:t>
                 </a:r>
                 <a:endParaRPr sz="1600" dirty="0">
                   <a:solidFill>
@@ -35132,7 +35019,7 @@
             <p:spPr>
               <a:xfrm>
                 <a:off x="4332264" y="1043209"/>
-                <a:ext cx="2919741" cy="546600"/>
+                <a:ext cx="3907460" cy="546600"/>
               </a:xfrm>
               <a:prstGeom prst="rect">
                 <a:avLst/>
@@ -35172,7 +35059,7 @@
                     <a:cs typeface="Fira Sans"/>
                     <a:sym typeface="Fira Sans"/>
                   </a:rPr>
-                  <a:t>Explanation of the model</a:t>
+                  <a:t>Explanation of the clinical relationships learned by the model</a:t>
                 </a:r>
                 <a:endParaRPr sz="1600" dirty="0">
                   <a:solidFill>
@@ -35438,8 +35325,8 @@
             </p:nvSpPr>
             <p:spPr>
               <a:xfrm>
-                <a:off x="4332264" y="1080174"/>
-                <a:ext cx="2410200" cy="546600"/>
+                <a:off x="4332263" y="1080174"/>
+                <a:ext cx="3596799" cy="546600"/>
               </a:xfrm>
               <a:prstGeom prst="rect">
                 <a:avLst/>
@@ -35469,6 +35356,15 @@
                   <a:buFont typeface="Arial"/>
                   <a:buNone/>
                 </a:pPr>
+                <a:r>
+                  <a:rPr lang="en" sz="1600" dirty="0">
+                    <a:latin typeface="Fira Sans"/>
+                    <a:ea typeface="Fira Sans"/>
+                    <a:cs typeface="Fira Sans"/>
+                    <a:sym typeface="Fira Sans"/>
+                  </a:rPr>
+                  <a:t>Improvements and </a:t>
+                </a:r>
                 <a:r>
                   <a:rPr lang="en" sz="1600" dirty="0">
                     <a:solidFill>
@@ -35757,14 +35653,19 @@
             <p:ph type="title"/>
           </p:nvPr>
         </p:nvSpPr>
-        <p:spPr/>
+        <p:spPr>
+          <a:xfrm>
+            <a:off x="0" y="411475"/>
+            <a:ext cx="8686800" cy="340200"/>
+          </a:xfrm>
+        </p:spPr>
         <p:txBody>
           <a:bodyPr/>
           <a:lstStyle/>
           <a:p>
             <a:r>
               <a:rPr lang="es-MX" dirty="0"/>
-              <a:t>What is Chronic Kidney Disease (CDK) and its economic impact worldwide</a:t>
+              <a:t>Chronic Kidney Disease (CDK) its a major health and economic problem worldwide</a:t>
             </a:r>
           </a:p>
         </p:txBody>
@@ -49332,7 +49233,7 @@
             <a:pPr lvl="0"/>
             <a:r>
               <a:rPr lang="en" dirty="0"/>
-              <a:t>1: Reviewing the International Clinical Guidelines</a:t>
+              <a:t>1: Reviewing the International Clinical Guidelines to obtain a comprehensive view of the disease</a:t>
             </a:r>
             <a:endParaRPr dirty="0"/>
           </a:p>

--- a/Slides.pptx
+++ b/Slides.pptx
@@ -32829,7 +32829,7 @@
             <a:pPr lvl="0"/>
             <a:r>
               <a:rPr lang="en" dirty="0"/>
-              <a:t>5: Next steps to fully deploy the product</a:t>
+              <a:t>5: Next steps and ideal deliverable product</a:t>
             </a:r>
             <a:endParaRPr dirty="0"/>
           </a:p>
@@ -38371,10 +38371,10 @@
         </p:nvGrpSpPr>
         <p:grpSpPr>
           <a:xfrm>
-            <a:off x="-45309" y="935810"/>
-            <a:ext cx="5061983" cy="3456429"/>
-            <a:chOff x="522612" y="1646148"/>
-            <a:chExt cx="5061983" cy="3456429"/>
+            <a:off x="-18615" y="935810"/>
+            <a:ext cx="5035289" cy="3456429"/>
+            <a:chOff x="549306" y="1646148"/>
+            <a:chExt cx="5035289" cy="3456429"/>
           </a:xfrm>
         </p:grpSpPr>
         <p:grpSp>
@@ -38391,10 +38391,10 @@
           </p:nvGrpSpPr>
           <p:grpSpPr>
             <a:xfrm>
-              <a:off x="522612" y="1898195"/>
-              <a:ext cx="3742206" cy="3204382"/>
-              <a:chOff x="2901481" y="1092993"/>
-              <a:chExt cx="3742206" cy="3204382"/>
+              <a:off x="549306" y="1898195"/>
+              <a:ext cx="3715512" cy="3204382"/>
+              <a:chOff x="2928175" y="1092993"/>
+              <a:chExt cx="3715512" cy="3204382"/>
             </a:xfrm>
           </p:grpSpPr>
           <p:pic>
@@ -38490,7 +38490,7 @@
                   <a:buNone/>
                 </a:pPr>
                 <a:r>
-                  <a:rPr lang="es-ES" sz="1200" dirty="0">
+                  <a:rPr lang="es-ES" sz="1200" b="1" dirty="0">
                     <a:solidFill>
                       <a:srgbClr val="000000"/>
                     </a:solidFill>
@@ -38502,7 +38502,7 @@
                   <a:t>Time </a:t>
                 </a:r>
                 <a:r>
-                  <a:rPr lang="es-ES" sz="1200" dirty="0" err="1">
+                  <a:rPr lang="es-ES" sz="1200" b="1" dirty="0" err="1">
                     <a:solidFill>
                       <a:srgbClr val="000000"/>
                     </a:solidFill>
@@ -38514,7 +38514,7 @@
                   <a:t>since</a:t>
                 </a:r>
                 <a:r>
-                  <a:rPr lang="es-ES" sz="1200" dirty="0">
+                  <a:rPr lang="es-ES" sz="1200" b="1" dirty="0">
                     <a:solidFill>
                       <a:srgbClr val="000000"/>
                     </a:solidFill>
@@ -38525,7 +38525,7 @@
                   </a:rPr>
                   <a:t> diagnosis</a:t>
                 </a:r>
-                <a:endParaRPr sz="1200" dirty="0">
+                <a:endParaRPr sz="1200" b="1" dirty="0">
                   <a:solidFill>
                     <a:srgbClr val="000000"/>
                   </a:solidFill>
@@ -38551,7 +38551,7 @@
             </p:nvSpPr>
             <p:spPr>
               <a:xfrm rot="16200000">
-                <a:off x="2706973" y="2343245"/>
+                <a:off x="2733667" y="2351894"/>
                 <a:ext cx="645071" cy="256055"/>
               </a:xfrm>
               <a:prstGeom prst="roundRect">
@@ -38585,7 +38585,7 @@
                   <a:buNone/>
                 </a:pPr>
                 <a:r>
-                  <a:rPr lang="es-ES" sz="1200" dirty="0">
+                  <a:rPr lang="es-ES" sz="1200" b="1" dirty="0">
                     <a:solidFill>
                       <a:srgbClr val="000000"/>
                     </a:solidFill>
@@ -38596,7 +38596,7 @@
                   </a:rPr>
                   <a:t>GFR</a:t>
                 </a:r>
-                <a:endParaRPr sz="1200" dirty="0">
+                <a:endParaRPr sz="1200" b="1" dirty="0">
                   <a:solidFill>
                     <a:srgbClr val="000000"/>
                   </a:solidFill>

--- a/Slides.pptx
+++ b/Slides.pptx
@@ -35655,7 +35655,7 @@
         </p:nvSpPr>
         <p:spPr>
           <a:xfrm>
-            <a:off x="0" y="411475"/>
+            <a:off x="97939" y="424115"/>
             <a:ext cx="8686800" cy="340200"/>
           </a:xfrm>
         </p:spPr>
@@ -35665,7 +35665,7 @@
           <a:p>
             <a:r>
               <a:rPr lang="es-MX" dirty="0"/>
-              <a:t>Chronic Kidney Disease (CDK) its a major health and economic problem worldwide</a:t>
+              <a:t>Chronic Kidney Disease (CDK) is a major health and economic problem worldwide</a:t>
             </a:r>
           </a:p>
         </p:txBody>
